--- a/ppt 16-9/0825.曾经.pptx
+++ b/ppt 16-9/0825.曾经.pptx
@@ -5,7 +5,7 @@
     <p:sldMasterId id="2147483648" r:id="rId1"/>
   </p:sldMasterIdLst>
   <p:sldIdLst>
-    <p:sldId id="2106" r:id="rId2"/>
+    <p:sldId id="2108" r:id="rId2"/>
   </p:sldIdLst>
   <p:sldSz cx="12192000" cy="6858000"/>
   <p:notesSz cx="6858000" cy="9144000"/>
@@ -129,7 +129,7 @@
           <p:cNvPr id="2" name="标题 1">
             <a:extLst>
               <a:ext uri="{FF2B5EF4-FFF2-40B4-BE49-F238E27FC236}">
-                <a16:creationId xmlns:a16="http://schemas.microsoft.com/office/drawing/2014/main" id="{8EBC0492-1094-56A6-C2C4-49BB55453267}"/>
+                <a16:creationId xmlns:a16="http://schemas.microsoft.com/office/drawing/2014/main" id="{D49DF628-7309-51E9-F66C-74C5D218395B}"/>
               </a:ext>
             </a:extLst>
           </p:cNvPr>
@@ -166,7 +166,7 @@
           <p:cNvPr id="3" name="副标题 2">
             <a:extLst>
               <a:ext uri="{FF2B5EF4-FFF2-40B4-BE49-F238E27FC236}">
-                <a16:creationId xmlns:a16="http://schemas.microsoft.com/office/drawing/2014/main" id="{12150D9E-1C95-FEF4-8431-98AB26CCDCD5}"/>
+                <a16:creationId xmlns:a16="http://schemas.microsoft.com/office/drawing/2014/main" id="{05D88CE3-DAE6-7526-D60B-DD637F283174}"/>
               </a:ext>
             </a:extLst>
           </p:cNvPr>
@@ -236,7 +236,7 @@
           <p:cNvPr id="4" name="日期占位符 3">
             <a:extLst>
               <a:ext uri="{FF2B5EF4-FFF2-40B4-BE49-F238E27FC236}">
-                <a16:creationId xmlns:a16="http://schemas.microsoft.com/office/drawing/2014/main" id="{63928C3E-88FD-E59E-BAB8-C3F56892C7BB}"/>
+                <a16:creationId xmlns:a16="http://schemas.microsoft.com/office/drawing/2014/main" id="{753B8C23-1F2E-6230-6346-4FDB9B29A343}"/>
               </a:ext>
             </a:extLst>
           </p:cNvPr>
@@ -252,7 +252,7 @@
           <a:bodyPr/>
           <a:lstStyle/>
           <a:p>
-            <a:fld id="{48C9913D-4DF4-4879-9ED9-A5F36DE02CF2}" type="datetimeFigureOut">
+            <a:fld id="{090F128D-99CA-4A38-837B-0CBC7A449809}" type="datetimeFigureOut">
               <a:rPr lang="zh-CN" altLang="en-US" smtClean="0"/>
               <a:t>2024/3/10</a:t>
             </a:fld>
@@ -265,7 +265,7 @@
           <p:cNvPr id="5" name="页脚占位符 4">
             <a:extLst>
               <a:ext uri="{FF2B5EF4-FFF2-40B4-BE49-F238E27FC236}">
-                <a16:creationId xmlns:a16="http://schemas.microsoft.com/office/drawing/2014/main" id="{CB2817F7-8488-1191-5DA2-CADFF07E3050}"/>
+                <a16:creationId xmlns:a16="http://schemas.microsoft.com/office/drawing/2014/main" id="{AB5FE612-2304-D07E-43A7-DF265CE5B9CF}"/>
               </a:ext>
             </a:extLst>
           </p:cNvPr>
@@ -290,7 +290,7 @@
           <p:cNvPr id="6" name="灯片编号占位符 5">
             <a:extLst>
               <a:ext uri="{FF2B5EF4-FFF2-40B4-BE49-F238E27FC236}">
-                <a16:creationId xmlns:a16="http://schemas.microsoft.com/office/drawing/2014/main" id="{A0D70DFB-CAB4-8088-5AB1-9A86E2AD4D64}"/>
+                <a16:creationId xmlns:a16="http://schemas.microsoft.com/office/drawing/2014/main" id="{ED0CFC6C-7306-412C-32DA-CE397791420F}"/>
               </a:ext>
             </a:extLst>
           </p:cNvPr>
@@ -306,7 +306,7 @@
           <a:bodyPr/>
           <a:lstStyle/>
           <a:p>
-            <a:fld id="{22DCF4D1-364E-4E87-9B1A-8375D7E62453}" type="slidenum">
+            <a:fld id="{6255C348-A955-4ADA-8F7A-81777BEDD346}" type="slidenum">
               <a:rPr lang="zh-CN" altLang="en-US" smtClean="0"/>
               <a:t>‹#›</a:t>
             </a:fld>
@@ -317,7 +317,7 @@
     </p:spTree>
     <p:extLst>
       <p:ext uri="{BB962C8B-B14F-4D97-AF65-F5344CB8AC3E}">
-        <p14:creationId xmlns:p14="http://schemas.microsoft.com/office/powerpoint/2010/main" val="2467120694"/>
+        <p14:creationId xmlns:p14="http://schemas.microsoft.com/office/powerpoint/2010/main" val="3666007229"/>
       </p:ext>
     </p:extLst>
   </p:cSld>
@@ -349,7 +349,7 @@
           <p:cNvPr id="2" name="标题 1">
             <a:extLst>
               <a:ext uri="{FF2B5EF4-FFF2-40B4-BE49-F238E27FC236}">
-                <a16:creationId xmlns:a16="http://schemas.microsoft.com/office/drawing/2014/main" id="{76379E98-3753-462F-0019-C27AC00F23C2}"/>
+                <a16:creationId xmlns:a16="http://schemas.microsoft.com/office/drawing/2014/main" id="{3453A990-1540-48E0-4796-9C7310208D34}"/>
               </a:ext>
             </a:extLst>
           </p:cNvPr>
@@ -377,7 +377,7 @@
           <p:cNvPr id="3" name="竖排文字占位符 2">
             <a:extLst>
               <a:ext uri="{FF2B5EF4-FFF2-40B4-BE49-F238E27FC236}">
-                <a16:creationId xmlns:a16="http://schemas.microsoft.com/office/drawing/2014/main" id="{2700F3F7-A681-B687-9694-31BFC546176F}"/>
+                <a16:creationId xmlns:a16="http://schemas.microsoft.com/office/drawing/2014/main" id="{B27DBB4E-61CE-A073-2C8A-974F14BDADD6}"/>
               </a:ext>
             </a:extLst>
           </p:cNvPr>
@@ -434,7 +434,7 @@
           <p:cNvPr id="4" name="日期占位符 3">
             <a:extLst>
               <a:ext uri="{FF2B5EF4-FFF2-40B4-BE49-F238E27FC236}">
-                <a16:creationId xmlns:a16="http://schemas.microsoft.com/office/drawing/2014/main" id="{677239B8-F952-0D84-BF24-0257A4464922}"/>
+                <a16:creationId xmlns:a16="http://schemas.microsoft.com/office/drawing/2014/main" id="{54C98BA4-B6E4-4DA8-6A27-82B7413CD90C}"/>
               </a:ext>
             </a:extLst>
           </p:cNvPr>
@@ -450,7 +450,7 @@
           <a:bodyPr/>
           <a:lstStyle/>
           <a:p>
-            <a:fld id="{48C9913D-4DF4-4879-9ED9-A5F36DE02CF2}" type="datetimeFigureOut">
+            <a:fld id="{090F128D-99CA-4A38-837B-0CBC7A449809}" type="datetimeFigureOut">
               <a:rPr lang="zh-CN" altLang="en-US" smtClean="0"/>
               <a:t>2024/3/10</a:t>
             </a:fld>
@@ -463,7 +463,7 @@
           <p:cNvPr id="5" name="页脚占位符 4">
             <a:extLst>
               <a:ext uri="{FF2B5EF4-FFF2-40B4-BE49-F238E27FC236}">
-                <a16:creationId xmlns:a16="http://schemas.microsoft.com/office/drawing/2014/main" id="{BF9C8543-147D-1A94-8989-273A94522A69}"/>
+                <a16:creationId xmlns:a16="http://schemas.microsoft.com/office/drawing/2014/main" id="{64F3F7B9-A782-8E8F-F84E-91A3DF202EB4}"/>
               </a:ext>
             </a:extLst>
           </p:cNvPr>
@@ -488,7 +488,7 @@
           <p:cNvPr id="6" name="灯片编号占位符 5">
             <a:extLst>
               <a:ext uri="{FF2B5EF4-FFF2-40B4-BE49-F238E27FC236}">
-                <a16:creationId xmlns:a16="http://schemas.microsoft.com/office/drawing/2014/main" id="{B2DF83D0-A65F-460F-A2B7-5F3801BD3692}"/>
+                <a16:creationId xmlns:a16="http://schemas.microsoft.com/office/drawing/2014/main" id="{14D6AF68-425F-C53D-474D-F94158081200}"/>
               </a:ext>
             </a:extLst>
           </p:cNvPr>
@@ -504,7 +504,7 @@
           <a:bodyPr/>
           <a:lstStyle/>
           <a:p>
-            <a:fld id="{22DCF4D1-364E-4E87-9B1A-8375D7E62453}" type="slidenum">
+            <a:fld id="{6255C348-A955-4ADA-8F7A-81777BEDD346}" type="slidenum">
               <a:rPr lang="zh-CN" altLang="en-US" smtClean="0"/>
               <a:t>‹#›</a:t>
             </a:fld>
@@ -515,7 +515,7 @@
     </p:spTree>
     <p:extLst>
       <p:ext uri="{BB962C8B-B14F-4D97-AF65-F5344CB8AC3E}">
-        <p14:creationId xmlns:p14="http://schemas.microsoft.com/office/powerpoint/2010/main" val="3231050390"/>
+        <p14:creationId xmlns:p14="http://schemas.microsoft.com/office/powerpoint/2010/main" val="1963594190"/>
       </p:ext>
     </p:extLst>
   </p:cSld>
@@ -547,7 +547,7 @@
           <p:cNvPr id="2" name="竖排标题 1">
             <a:extLst>
               <a:ext uri="{FF2B5EF4-FFF2-40B4-BE49-F238E27FC236}">
-                <a16:creationId xmlns:a16="http://schemas.microsoft.com/office/drawing/2014/main" id="{D8E6D9E1-3899-5081-A2B3-6159B4C0827C}"/>
+                <a16:creationId xmlns:a16="http://schemas.microsoft.com/office/drawing/2014/main" id="{67D564A7-A121-98BE-77A0-50B4B261EBA5}"/>
               </a:ext>
             </a:extLst>
           </p:cNvPr>
@@ -580,7 +580,7 @@
           <p:cNvPr id="3" name="竖排文字占位符 2">
             <a:extLst>
               <a:ext uri="{FF2B5EF4-FFF2-40B4-BE49-F238E27FC236}">
-                <a16:creationId xmlns:a16="http://schemas.microsoft.com/office/drawing/2014/main" id="{45C2A98A-7F75-13D7-C5B8-3B98141FCDD4}"/>
+                <a16:creationId xmlns:a16="http://schemas.microsoft.com/office/drawing/2014/main" id="{BF486D05-85DC-2EFA-47D8-2ADCEB9A3656}"/>
               </a:ext>
             </a:extLst>
           </p:cNvPr>
@@ -642,7 +642,7 @@
           <p:cNvPr id="4" name="日期占位符 3">
             <a:extLst>
               <a:ext uri="{FF2B5EF4-FFF2-40B4-BE49-F238E27FC236}">
-                <a16:creationId xmlns:a16="http://schemas.microsoft.com/office/drawing/2014/main" id="{E8816C34-2F4A-86CB-2AF6-49BDEDAEC47D}"/>
+                <a16:creationId xmlns:a16="http://schemas.microsoft.com/office/drawing/2014/main" id="{9922931C-12AA-6874-7090-3418C77A01E0}"/>
               </a:ext>
             </a:extLst>
           </p:cNvPr>
@@ -658,7 +658,7 @@
           <a:bodyPr/>
           <a:lstStyle/>
           <a:p>
-            <a:fld id="{48C9913D-4DF4-4879-9ED9-A5F36DE02CF2}" type="datetimeFigureOut">
+            <a:fld id="{090F128D-99CA-4A38-837B-0CBC7A449809}" type="datetimeFigureOut">
               <a:rPr lang="zh-CN" altLang="en-US" smtClean="0"/>
               <a:t>2024/3/10</a:t>
             </a:fld>
@@ -671,7 +671,7 @@
           <p:cNvPr id="5" name="页脚占位符 4">
             <a:extLst>
               <a:ext uri="{FF2B5EF4-FFF2-40B4-BE49-F238E27FC236}">
-                <a16:creationId xmlns:a16="http://schemas.microsoft.com/office/drawing/2014/main" id="{7B17EA44-23F4-1039-5B10-88A0D7792AC8}"/>
+                <a16:creationId xmlns:a16="http://schemas.microsoft.com/office/drawing/2014/main" id="{1581373C-BDC6-82AB-9AAD-8A0E070F43C4}"/>
               </a:ext>
             </a:extLst>
           </p:cNvPr>
@@ -696,7 +696,7 @@
           <p:cNvPr id="6" name="灯片编号占位符 5">
             <a:extLst>
               <a:ext uri="{FF2B5EF4-FFF2-40B4-BE49-F238E27FC236}">
-                <a16:creationId xmlns:a16="http://schemas.microsoft.com/office/drawing/2014/main" id="{0D9BE20A-2D30-1AB9-8B4D-BF2DA37BC94E}"/>
+                <a16:creationId xmlns:a16="http://schemas.microsoft.com/office/drawing/2014/main" id="{E624D3B2-C307-B238-ADDD-3AD72DD0DC5E}"/>
               </a:ext>
             </a:extLst>
           </p:cNvPr>
@@ -712,7 +712,7 @@
           <a:bodyPr/>
           <a:lstStyle/>
           <a:p>
-            <a:fld id="{22DCF4D1-364E-4E87-9B1A-8375D7E62453}" type="slidenum">
+            <a:fld id="{6255C348-A955-4ADA-8F7A-81777BEDD346}" type="slidenum">
               <a:rPr lang="zh-CN" altLang="en-US" smtClean="0"/>
               <a:t>‹#›</a:t>
             </a:fld>
@@ -723,7 +723,7 @@
     </p:spTree>
     <p:extLst>
       <p:ext uri="{BB962C8B-B14F-4D97-AF65-F5344CB8AC3E}">
-        <p14:creationId xmlns:p14="http://schemas.microsoft.com/office/powerpoint/2010/main" val="1404904740"/>
+        <p14:creationId xmlns:p14="http://schemas.microsoft.com/office/powerpoint/2010/main" val="2736735209"/>
       </p:ext>
     </p:extLst>
   </p:cSld>
@@ -755,7 +755,7 @@
           <p:cNvPr id="2" name="标题 1">
             <a:extLst>
               <a:ext uri="{FF2B5EF4-FFF2-40B4-BE49-F238E27FC236}">
-                <a16:creationId xmlns:a16="http://schemas.microsoft.com/office/drawing/2014/main" id="{5F586C1A-4215-5386-9941-F20422D24F75}"/>
+                <a16:creationId xmlns:a16="http://schemas.microsoft.com/office/drawing/2014/main" id="{DA500F6D-93C7-99DF-CD2C-1E636EAC4E39}"/>
               </a:ext>
             </a:extLst>
           </p:cNvPr>
@@ -783,7 +783,7 @@
           <p:cNvPr id="3" name="内容占位符 2">
             <a:extLst>
               <a:ext uri="{FF2B5EF4-FFF2-40B4-BE49-F238E27FC236}">
-                <a16:creationId xmlns:a16="http://schemas.microsoft.com/office/drawing/2014/main" id="{C83C8169-DE2D-93BB-FF05-E4A6F523174A}"/>
+                <a16:creationId xmlns:a16="http://schemas.microsoft.com/office/drawing/2014/main" id="{CF334DDA-F192-B9B6-36A9-A43C36BB4F58}"/>
               </a:ext>
             </a:extLst>
           </p:cNvPr>
@@ -840,7 +840,7 @@
           <p:cNvPr id="4" name="日期占位符 3">
             <a:extLst>
               <a:ext uri="{FF2B5EF4-FFF2-40B4-BE49-F238E27FC236}">
-                <a16:creationId xmlns:a16="http://schemas.microsoft.com/office/drawing/2014/main" id="{2461425D-6027-B408-A640-B158006EBFB1}"/>
+                <a16:creationId xmlns:a16="http://schemas.microsoft.com/office/drawing/2014/main" id="{7AFDA554-29F7-99BD-0F42-20D0CC5ABB3A}"/>
               </a:ext>
             </a:extLst>
           </p:cNvPr>
@@ -856,7 +856,7 @@
           <a:bodyPr/>
           <a:lstStyle/>
           <a:p>
-            <a:fld id="{48C9913D-4DF4-4879-9ED9-A5F36DE02CF2}" type="datetimeFigureOut">
+            <a:fld id="{090F128D-99CA-4A38-837B-0CBC7A449809}" type="datetimeFigureOut">
               <a:rPr lang="zh-CN" altLang="en-US" smtClean="0"/>
               <a:t>2024/3/10</a:t>
             </a:fld>
@@ -869,7 +869,7 @@
           <p:cNvPr id="5" name="页脚占位符 4">
             <a:extLst>
               <a:ext uri="{FF2B5EF4-FFF2-40B4-BE49-F238E27FC236}">
-                <a16:creationId xmlns:a16="http://schemas.microsoft.com/office/drawing/2014/main" id="{9D548AAB-86EB-CFC0-6E05-311EC4EF3976}"/>
+                <a16:creationId xmlns:a16="http://schemas.microsoft.com/office/drawing/2014/main" id="{C0623DC7-8B0B-E44C-F9AE-2AD08E36D078}"/>
               </a:ext>
             </a:extLst>
           </p:cNvPr>
@@ -894,7 +894,7 @@
           <p:cNvPr id="6" name="灯片编号占位符 5">
             <a:extLst>
               <a:ext uri="{FF2B5EF4-FFF2-40B4-BE49-F238E27FC236}">
-                <a16:creationId xmlns:a16="http://schemas.microsoft.com/office/drawing/2014/main" id="{8DDC2C29-5CCD-3730-A2FF-73D51E3D3085}"/>
+                <a16:creationId xmlns:a16="http://schemas.microsoft.com/office/drawing/2014/main" id="{5D39B7DD-E047-45C8-A9EF-37485D3F95C0}"/>
               </a:ext>
             </a:extLst>
           </p:cNvPr>
@@ -910,7 +910,7 @@
           <a:bodyPr/>
           <a:lstStyle/>
           <a:p>
-            <a:fld id="{22DCF4D1-364E-4E87-9B1A-8375D7E62453}" type="slidenum">
+            <a:fld id="{6255C348-A955-4ADA-8F7A-81777BEDD346}" type="slidenum">
               <a:rPr lang="zh-CN" altLang="en-US" smtClean="0"/>
               <a:t>‹#›</a:t>
             </a:fld>
@@ -921,7 +921,7 @@
     </p:spTree>
     <p:extLst>
       <p:ext uri="{BB962C8B-B14F-4D97-AF65-F5344CB8AC3E}">
-        <p14:creationId xmlns:p14="http://schemas.microsoft.com/office/powerpoint/2010/main" val="2975433684"/>
+        <p14:creationId xmlns:p14="http://schemas.microsoft.com/office/powerpoint/2010/main" val="1428373712"/>
       </p:ext>
     </p:extLst>
   </p:cSld>
@@ -953,7 +953,7 @@
           <p:cNvPr id="2" name="标题 1">
             <a:extLst>
               <a:ext uri="{FF2B5EF4-FFF2-40B4-BE49-F238E27FC236}">
-                <a16:creationId xmlns:a16="http://schemas.microsoft.com/office/drawing/2014/main" id="{C5CA73B2-6770-8AA8-B98F-B85380CBB181}"/>
+                <a16:creationId xmlns:a16="http://schemas.microsoft.com/office/drawing/2014/main" id="{61B4435A-E272-78AC-E340-C38A8B5AE4B4}"/>
               </a:ext>
             </a:extLst>
           </p:cNvPr>
@@ -990,7 +990,7 @@
           <p:cNvPr id="3" name="文本占位符 2">
             <a:extLst>
               <a:ext uri="{FF2B5EF4-FFF2-40B4-BE49-F238E27FC236}">
-                <a16:creationId xmlns:a16="http://schemas.microsoft.com/office/drawing/2014/main" id="{3B6D237B-FA30-0A3F-D82A-84B8F65C3DE0}"/>
+                <a16:creationId xmlns:a16="http://schemas.microsoft.com/office/drawing/2014/main" id="{9F17E1F8-7E03-D351-8EC0-6B3D74A62348}"/>
               </a:ext>
             </a:extLst>
           </p:cNvPr>
@@ -1115,7 +1115,7 @@
           <p:cNvPr id="4" name="日期占位符 3">
             <a:extLst>
               <a:ext uri="{FF2B5EF4-FFF2-40B4-BE49-F238E27FC236}">
-                <a16:creationId xmlns:a16="http://schemas.microsoft.com/office/drawing/2014/main" id="{02E12BCE-3D38-5D16-65F0-4C69D2821D3B}"/>
+                <a16:creationId xmlns:a16="http://schemas.microsoft.com/office/drawing/2014/main" id="{F170D1E8-DC27-16A9-4289-F19576EBECF0}"/>
               </a:ext>
             </a:extLst>
           </p:cNvPr>
@@ -1131,7 +1131,7 @@
           <a:bodyPr/>
           <a:lstStyle/>
           <a:p>
-            <a:fld id="{48C9913D-4DF4-4879-9ED9-A5F36DE02CF2}" type="datetimeFigureOut">
+            <a:fld id="{090F128D-99CA-4A38-837B-0CBC7A449809}" type="datetimeFigureOut">
               <a:rPr lang="zh-CN" altLang="en-US" smtClean="0"/>
               <a:t>2024/3/10</a:t>
             </a:fld>
@@ -1144,7 +1144,7 @@
           <p:cNvPr id="5" name="页脚占位符 4">
             <a:extLst>
               <a:ext uri="{FF2B5EF4-FFF2-40B4-BE49-F238E27FC236}">
-                <a16:creationId xmlns:a16="http://schemas.microsoft.com/office/drawing/2014/main" id="{BADC5795-23B5-724B-995B-10503FFF15B6}"/>
+                <a16:creationId xmlns:a16="http://schemas.microsoft.com/office/drawing/2014/main" id="{4F16D77F-3D59-EFFE-DAD2-69C00C63F9D7}"/>
               </a:ext>
             </a:extLst>
           </p:cNvPr>
@@ -1169,7 +1169,7 @@
           <p:cNvPr id="6" name="灯片编号占位符 5">
             <a:extLst>
               <a:ext uri="{FF2B5EF4-FFF2-40B4-BE49-F238E27FC236}">
-                <a16:creationId xmlns:a16="http://schemas.microsoft.com/office/drawing/2014/main" id="{6B52A08A-9EB2-9F3E-7E03-0883EE31F81A}"/>
+                <a16:creationId xmlns:a16="http://schemas.microsoft.com/office/drawing/2014/main" id="{5F451363-8791-AE35-4FEE-6C7AC57FFB27}"/>
               </a:ext>
             </a:extLst>
           </p:cNvPr>
@@ -1185,7 +1185,7 @@
           <a:bodyPr/>
           <a:lstStyle/>
           <a:p>
-            <a:fld id="{22DCF4D1-364E-4E87-9B1A-8375D7E62453}" type="slidenum">
+            <a:fld id="{6255C348-A955-4ADA-8F7A-81777BEDD346}" type="slidenum">
               <a:rPr lang="zh-CN" altLang="en-US" smtClean="0"/>
               <a:t>‹#›</a:t>
             </a:fld>
@@ -1196,7 +1196,7 @@
     </p:spTree>
     <p:extLst>
       <p:ext uri="{BB962C8B-B14F-4D97-AF65-F5344CB8AC3E}">
-        <p14:creationId xmlns:p14="http://schemas.microsoft.com/office/powerpoint/2010/main" val="3350556990"/>
+        <p14:creationId xmlns:p14="http://schemas.microsoft.com/office/powerpoint/2010/main" val="4273158847"/>
       </p:ext>
     </p:extLst>
   </p:cSld>
@@ -1228,7 +1228,7 @@
           <p:cNvPr id="2" name="标题 1">
             <a:extLst>
               <a:ext uri="{FF2B5EF4-FFF2-40B4-BE49-F238E27FC236}">
-                <a16:creationId xmlns:a16="http://schemas.microsoft.com/office/drawing/2014/main" id="{0B5FF4F4-9C8B-0CC0-FC0E-EEF07C739743}"/>
+                <a16:creationId xmlns:a16="http://schemas.microsoft.com/office/drawing/2014/main" id="{3687F1AB-E3C1-74F7-42DF-8B90B3EE7351}"/>
               </a:ext>
             </a:extLst>
           </p:cNvPr>
@@ -1256,7 +1256,7 @@
           <p:cNvPr id="3" name="内容占位符 2">
             <a:extLst>
               <a:ext uri="{FF2B5EF4-FFF2-40B4-BE49-F238E27FC236}">
-                <a16:creationId xmlns:a16="http://schemas.microsoft.com/office/drawing/2014/main" id="{654C5287-4BDF-8B14-F26E-8A7EC67BCBC5}"/>
+                <a16:creationId xmlns:a16="http://schemas.microsoft.com/office/drawing/2014/main" id="{40756945-23A0-517B-7A12-91D0234B10C6}"/>
               </a:ext>
             </a:extLst>
           </p:cNvPr>
@@ -1318,7 +1318,7 @@
           <p:cNvPr id="4" name="内容占位符 3">
             <a:extLst>
               <a:ext uri="{FF2B5EF4-FFF2-40B4-BE49-F238E27FC236}">
-                <a16:creationId xmlns:a16="http://schemas.microsoft.com/office/drawing/2014/main" id="{3699F09C-4ECC-FD0E-946B-5810B26037AD}"/>
+                <a16:creationId xmlns:a16="http://schemas.microsoft.com/office/drawing/2014/main" id="{BE9CA9AB-AB65-8893-FBCE-D9ED24292331}"/>
               </a:ext>
             </a:extLst>
           </p:cNvPr>
@@ -1380,7 +1380,7 @@
           <p:cNvPr id="5" name="日期占位符 4">
             <a:extLst>
               <a:ext uri="{FF2B5EF4-FFF2-40B4-BE49-F238E27FC236}">
-                <a16:creationId xmlns:a16="http://schemas.microsoft.com/office/drawing/2014/main" id="{D7CC8C96-FC59-F803-B26B-C02DA17A5D22}"/>
+                <a16:creationId xmlns:a16="http://schemas.microsoft.com/office/drawing/2014/main" id="{1BF884F8-81EC-0642-3470-ECD75E4DB35B}"/>
               </a:ext>
             </a:extLst>
           </p:cNvPr>
@@ -1396,7 +1396,7 @@
           <a:bodyPr/>
           <a:lstStyle/>
           <a:p>
-            <a:fld id="{48C9913D-4DF4-4879-9ED9-A5F36DE02CF2}" type="datetimeFigureOut">
+            <a:fld id="{090F128D-99CA-4A38-837B-0CBC7A449809}" type="datetimeFigureOut">
               <a:rPr lang="zh-CN" altLang="en-US" smtClean="0"/>
               <a:t>2024/3/10</a:t>
             </a:fld>
@@ -1409,7 +1409,7 @@
           <p:cNvPr id="6" name="页脚占位符 5">
             <a:extLst>
               <a:ext uri="{FF2B5EF4-FFF2-40B4-BE49-F238E27FC236}">
-                <a16:creationId xmlns:a16="http://schemas.microsoft.com/office/drawing/2014/main" id="{C9709CBA-7522-8DAE-F681-A523B2FACB74}"/>
+                <a16:creationId xmlns:a16="http://schemas.microsoft.com/office/drawing/2014/main" id="{1F22B67F-847F-E677-E85D-DBEBCA635121}"/>
               </a:ext>
             </a:extLst>
           </p:cNvPr>
@@ -1434,7 +1434,7 @@
           <p:cNvPr id="7" name="灯片编号占位符 6">
             <a:extLst>
               <a:ext uri="{FF2B5EF4-FFF2-40B4-BE49-F238E27FC236}">
-                <a16:creationId xmlns:a16="http://schemas.microsoft.com/office/drawing/2014/main" id="{311267BC-50E1-233B-2DFC-35AF103B0E4B}"/>
+                <a16:creationId xmlns:a16="http://schemas.microsoft.com/office/drawing/2014/main" id="{EFA0DE00-8F92-E8E9-8CB2-638F9C00F8CD}"/>
               </a:ext>
             </a:extLst>
           </p:cNvPr>
@@ -1450,7 +1450,7 @@
           <a:bodyPr/>
           <a:lstStyle/>
           <a:p>
-            <a:fld id="{22DCF4D1-364E-4E87-9B1A-8375D7E62453}" type="slidenum">
+            <a:fld id="{6255C348-A955-4ADA-8F7A-81777BEDD346}" type="slidenum">
               <a:rPr lang="zh-CN" altLang="en-US" smtClean="0"/>
               <a:t>‹#›</a:t>
             </a:fld>
@@ -1461,7 +1461,7 @@
     </p:spTree>
     <p:extLst>
       <p:ext uri="{BB962C8B-B14F-4D97-AF65-F5344CB8AC3E}">
-        <p14:creationId xmlns:p14="http://schemas.microsoft.com/office/powerpoint/2010/main" val="247676860"/>
+        <p14:creationId xmlns:p14="http://schemas.microsoft.com/office/powerpoint/2010/main" val="33362313"/>
       </p:ext>
     </p:extLst>
   </p:cSld>
@@ -1493,7 +1493,7 @@
           <p:cNvPr id="2" name="标题 1">
             <a:extLst>
               <a:ext uri="{FF2B5EF4-FFF2-40B4-BE49-F238E27FC236}">
-                <a16:creationId xmlns:a16="http://schemas.microsoft.com/office/drawing/2014/main" id="{A6831B30-9A43-3217-6276-971AD346031D}"/>
+                <a16:creationId xmlns:a16="http://schemas.microsoft.com/office/drawing/2014/main" id="{5BAE5932-7AB7-2F13-2353-9F4A14D373FF}"/>
               </a:ext>
             </a:extLst>
           </p:cNvPr>
@@ -1526,7 +1526,7 @@
           <p:cNvPr id="3" name="文本占位符 2">
             <a:extLst>
               <a:ext uri="{FF2B5EF4-FFF2-40B4-BE49-F238E27FC236}">
-                <a16:creationId xmlns:a16="http://schemas.microsoft.com/office/drawing/2014/main" id="{67A2248A-FE32-1D98-6D6C-A3FD0D93BD1F}"/>
+                <a16:creationId xmlns:a16="http://schemas.microsoft.com/office/drawing/2014/main" id="{011F2355-4925-C0D8-EDE2-EED9F604C3F3}"/>
               </a:ext>
             </a:extLst>
           </p:cNvPr>
@@ -1597,7 +1597,7 @@
           <p:cNvPr id="4" name="内容占位符 3">
             <a:extLst>
               <a:ext uri="{FF2B5EF4-FFF2-40B4-BE49-F238E27FC236}">
-                <a16:creationId xmlns:a16="http://schemas.microsoft.com/office/drawing/2014/main" id="{3EA41117-BBBD-ACB3-EFED-EF2221AA2B81}"/>
+                <a16:creationId xmlns:a16="http://schemas.microsoft.com/office/drawing/2014/main" id="{E9AB535E-AC67-286D-6F10-0FEE98C391BF}"/>
               </a:ext>
             </a:extLst>
           </p:cNvPr>
@@ -1659,7 +1659,7 @@
           <p:cNvPr id="5" name="文本占位符 4">
             <a:extLst>
               <a:ext uri="{FF2B5EF4-FFF2-40B4-BE49-F238E27FC236}">
-                <a16:creationId xmlns:a16="http://schemas.microsoft.com/office/drawing/2014/main" id="{1112E364-84A0-E11F-50FE-3F3D2C1A3253}"/>
+                <a16:creationId xmlns:a16="http://schemas.microsoft.com/office/drawing/2014/main" id="{FCDDBA6B-266B-2847-388B-244E4054E2BC}"/>
               </a:ext>
             </a:extLst>
           </p:cNvPr>
@@ -1730,7 +1730,7 @@
           <p:cNvPr id="6" name="内容占位符 5">
             <a:extLst>
               <a:ext uri="{FF2B5EF4-FFF2-40B4-BE49-F238E27FC236}">
-                <a16:creationId xmlns:a16="http://schemas.microsoft.com/office/drawing/2014/main" id="{102F7511-3DBD-2F02-93F1-FF1FEDD74CBE}"/>
+                <a16:creationId xmlns:a16="http://schemas.microsoft.com/office/drawing/2014/main" id="{7259610A-B172-E601-642D-5EAF9ACCFAAB}"/>
               </a:ext>
             </a:extLst>
           </p:cNvPr>
@@ -1792,7 +1792,7 @@
           <p:cNvPr id="7" name="日期占位符 6">
             <a:extLst>
               <a:ext uri="{FF2B5EF4-FFF2-40B4-BE49-F238E27FC236}">
-                <a16:creationId xmlns:a16="http://schemas.microsoft.com/office/drawing/2014/main" id="{BD0FB96E-1072-7919-0E0B-2A9B2810D5C2}"/>
+                <a16:creationId xmlns:a16="http://schemas.microsoft.com/office/drawing/2014/main" id="{74DA4C28-170F-10B8-A302-18146043B81A}"/>
               </a:ext>
             </a:extLst>
           </p:cNvPr>
@@ -1808,7 +1808,7 @@
           <a:bodyPr/>
           <a:lstStyle/>
           <a:p>
-            <a:fld id="{48C9913D-4DF4-4879-9ED9-A5F36DE02CF2}" type="datetimeFigureOut">
+            <a:fld id="{090F128D-99CA-4A38-837B-0CBC7A449809}" type="datetimeFigureOut">
               <a:rPr lang="zh-CN" altLang="en-US" smtClean="0"/>
               <a:t>2024/3/10</a:t>
             </a:fld>
@@ -1821,7 +1821,7 @@
           <p:cNvPr id="8" name="页脚占位符 7">
             <a:extLst>
               <a:ext uri="{FF2B5EF4-FFF2-40B4-BE49-F238E27FC236}">
-                <a16:creationId xmlns:a16="http://schemas.microsoft.com/office/drawing/2014/main" id="{D9DA6FA8-503F-6E0C-42FC-BC0B54B4D4FD}"/>
+                <a16:creationId xmlns:a16="http://schemas.microsoft.com/office/drawing/2014/main" id="{8711B53D-AFC9-DE0B-2AB1-329E2E0677EC}"/>
               </a:ext>
             </a:extLst>
           </p:cNvPr>
@@ -1846,7 +1846,7 @@
           <p:cNvPr id="9" name="灯片编号占位符 8">
             <a:extLst>
               <a:ext uri="{FF2B5EF4-FFF2-40B4-BE49-F238E27FC236}">
-                <a16:creationId xmlns:a16="http://schemas.microsoft.com/office/drawing/2014/main" id="{8EDD73E2-7072-B297-44C6-8DC9BFC498E3}"/>
+                <a16:creationId xmlns:a16="http://schemas.microsoft.com/office/drawing/2014/main" id="{F1DC01DE-8FDA-981C-2951-96B167230A0E}"/>
               </a:ext>
             </a:extLst>
           </p:cNvPr>
@@ -1862,7 +1862,7 @@
           <a:bodyPr/>
           <a:lstStyle/>
           <a:p>
-            <a:fld id="{22DCF4D1-364E-4E87-9B1A-8375D7E62453}" type="slidenum">
+            <a:fld id="{6255C348-A955-4ADA-8F7A-81777BEDD346}" type="slidenum">
               <a:rPr lang="zh-CN" altLang="en-US" smtClean="0"/>
               <a:t>‹#›</a:t>
             </a:fld>
@@ -1873,7 +1873,7 @@
     </p:spTree>
     <p:extLst>
       <p:ext uri="{BB962C8B-B14F-4D97-AF65-F5344CB8AC3E}">
-        <p14:creationId xmlns:p14="http://schemas.microsoft.com/office/powerpoint/2010/main" val="2176523111"/>
+        <p14:creationId xmlns:p14="http://schemas.microsoft.com/office/powerpoint/2010/main" val="2476178828"/>
       </p:ext>
     </p:extLst>
   </p:cSld>
@@ -1905,7 +1905,7 @@
           <p:cNvPr id="2" name="标题 1">
             <a:extLst>
               <a:ext uri="{FF2B5EF4-FFF2-40B4-BE49-F238E27FC236}">
-                <a16:creationId xmlns:a16="http://schemas.microsoft.com/office/drawing/2014/main" id="{739C493F-4B91-631C-2B55-2839592A461E}"/>
+                <a16:creationId xmlns:a16="http://schemas.microsoft.com/office/drawing/2014/main" id="{3F86A635-FFB1-5341-3454-89550D266EE7}"/>
               </a:ext>
             </a:extLst>
           </p:cNvPr>
@@ -1933,7 +1933,7 @@
           <p:cNvPr id="3" name="日期占位符 2">
             <a:extLst>
               <a:ext uri="{FF2B5EF4-FFF2-40B4-BE49-F238E27FC236}">
-                <a16:creationId xmlns:a16="http://schemas.microsoft.com/office/drawing/2014/main" id="{B628463D-6EE5-1605-B7F1-722D3D56CE3E}"/>
+                <a16:creationId xmlns:a16="http://schemas.microsoft.com/office/drawing/2014/main" id="{1CA4BDEB-4E2D-69F1-98A1-58381CEB2575}"/>
               </a:ext>
             </a:extLst>
           </p:cNvPr>
@@ -1949,7 +1949,7 @@
           <a:bodyPr/>
           <a:lstStyle/>
           <a:p>
-            <a:fld id="{48C9913D-4DF4-4879-9ED9-A5F36DE02CF2}" type="datetimeFigureOut">
+            <a:fld id="{090F128D-99CA-4A38-837B-0CBC7A449809}" type="datetimeFigureOut">
               <a:rPr lang="zh-CN" altLang="en-US" smtClean="0"/>
               <a:t>2024/3/10</a:t>
             </a:fld>
@@ -1962,7 +1962,7 @@
           <p:cNvPr id="4" name="页脚占位符 3">
             <a:extLst>
               <a:ext uri="{FF2B5EF4-FFF2-40B4-BE49-F238E27FC236}">
-                <a16:creationId xmlns:a16="http://schemas.microsoft.com/office/drawing/2014/main" id="{296BA943-3406-3A52-6D2C-766305CC95EC}"/>
+                <a16:creationId xmlns:a16="http://schemas.microsoft.com/office/drawing/2014/main" id="{973862CA-5C9A-AF88-DF65-404EB5255D86}"/>
               </a:ext>
             </a:extLst>
           </p:cNvPr>
@@ -1987,7 +1987,7 @@
           <p:cNvPr id="5" name="灯片编号占位符 4">
             <a:extLst>
               <a:ext uri="{FF2B5EF4-FFF2-40B4-BE49-F238E27FC236}">
-                <a16:creationId xmlns:a16="http://schemas.microsoft.com/office/drawing/2014/main" id="{022C3C7A-D291-466E-A273-F793D7318A19}"/>
+                <a16:creationId xmlns:a16="http://schemas.microsoft.com/office/drawing/2014/main" id="{98DDA7F3-5DF2-2B27-00CB-76B964B7633C}"/>
               </a:ext>
             </a:extLst>
           </p:cNvPr>
@@ -2003,7 +2003,7 @@
           <a:bodyPr/>
           <a:lstStyle/>
           <a:p>
-            <a:fld id="{22DCF4D1-364E-4E87-9B1A-8375D7E62453}" type="slidenum">
+            <a:fld id="{6255C348-A955-4ADA-8F7A-81777BEDD346}" type="slidenum">
               <a:rPr lang="zh-CN" altLang="en-US" smtClean="0"/>
               <a:t>‹#›</a:t>
             </a:fld>
@@ -2014,7 +2014,7 @@
     </p:spTree>
     <p:extLst>
       <p:ext uri="{BB962C8B-B14F-4D97-AF65-F5344CB8AC3E}">
-        <p14:creationId xmlns:p14="http://schemas.microsoft.com/office/powerpoint/2010/main" val="2293209491"/>
+        <p14:creationId xmlns:p14="http://schemas.microsoft.com/office/powerpoint/2010/main" val="2168828085"/>
       </p:ext>
     </p:extLst>
   </p:cSld>
@@ -2046,7 +2046,7 @@
           <p:cNvPr id="2" name="日期占位符 1">
             <a:extLst>
               <a:ext uri="{FF2B5EF4-FFF2-40B4-BE49-F238E27FC236}">
-                <a16:creationId xmlns:a16="http://schemas.microsoft.com/office/drawing/2014/main" id="{37D20A0C-DF7F-4424-E344-17A466D3E450}"/>
+                <a16:creationId xmlns:a16="http://schemas.microsoft.com/office/drawing/2014/main" id="{57366B75-638E-3DFF-4A90-5416DBD561C8}"/>
               </a:ext>
             </a:extLst>
           </p:cNvPr>
@@ -2062,7 +2062,7 @@
           <a:bodyPr/>
           <a:lstStyle/>
           <a:p>
-            <a:fld id="{48C9913D-4DF4-4879-9ED9-A5F36DE02CF2}" type="datetimeFigureOut">
+            <a:fld id="{090F128D-99CA-4A38-837B-0CBC7A449809}" type="datetimeFigureOut">
               <a:rPr lang="zh-CN" altLang="en-US" smtClean="0"/>
               <a:t>2024/3/10</a:t>
             </a:fld>
@@ -2075,7 +2075,7 @@
           <p:cNvPr id="3" name="页脚占位符 2">
             <a:extLst>
               <a:ext uri="{FF2B5EF4-FFF2-40B4-BE49-F238E27FC236}">
-                <a16:creationId xmlns:a16="http://schemas.microsoft.com/office/drawing/2014/main" id="{50E8EB3C-42BF-F2A3-0539-F139A6DB7B1F}"/>
+                <a16:creationId xmlns:a16="http://schemas.microsoft.com/office/drawing/2014/main" id="{50ED24A4-3C10-7F3C-1047-57C247A08083}"/>
               </a:ext>
             </a:extLst>
           </p:cNvPr>
@@ -2100,7 +2100,7 @@
           <p:cNvPr id="4" name="灯片编号占位符 3">
             <a:extLst>
               <a:ext uri="{FF2B5EF4-FFF2-40B4-BE49-F238E27FC236}">
-                <a16:creationId xmlns:a16="http://schemas.microsoft.com/office/drawing/2014/main" id="{8262045A-65DC-7280-CFEA-4315C815FC65}"/>
+                <a16:creationId xmlns:a16="http://schemas.microsoft.com/office/drawing/2014/main" id="{FAC55002-A9EA-F95A-DF54-366B415460A8}"/>
               </a:ext>
             </a:extLst>
           </p:cNvPr>
@@ -2116,7 +2116,7 @@
           <a:bodyPr/>
           <a:lstStyle/>
           <a:p>
-            <a:fld id="{22DCF4D1-364E-4E87-9B1A-8375D7E62453}" type="slidenum">
+            <a:fld id="{6255C348-A955-4ADA-8F7A-81777BEDD346}" type="slidenum">
               <a:rPr lang="zh-CN" altLang="en-US" smtClean="0"/>
               <a:t>‹#›</a:t>
             </a:fld>
@@ -2127,7 +2127,7 @@
     </p:spTree>
     <p:extLst>
       <p:ext uri="{BB962C8B-B14F-4D97-AF65-F5344CB8AC3E}">
-        <p14:creationId xmlns:p14="http://schemas.microsoft.com/office/powerpoint/2010/main" val="265513694"/>
+        <p14:creationId xmlns:p14="http://schemas.microsoft.com/office/powerpoint/2010/main" val="3433001772"/>
       </p:ext>
     </p:extLst>
   </p:cSld>
@@ -2159,7 +2159,7 @@
           <p:cNvPr id="2" name="标题 1">
             <a:extLst>
               <a:ext uri="{FF2B5EF4-FFF2-40B4-BE49-F238E27FC236}">
-                <a16:creationId xmlns:a16="http://schemas.microsoft.com/office/drawing/2014/main" id="{D71629EA-A736-8619-E733-E158E4185C4C}"/>
+                <a16:creationId xmlns:a16="http://schemas.microsoft.com/office/drawing/2014/main" id="{7F90D848-8E76-D3E7-D773-6C12352554F3}"/>
               </a:ext>
             </a:extLst>
           </p:cNvPr>
@@ -2196,7 +2196,7 @@
           <p:cNvPr id="3" name="内容占位符 2">
             <a:extLst>
               <a:ext uri="{FF2B5EF4-FFF2-40B4-BE49-F238E27FC236}">
-                <a16:creationId xmlns:a16="http://schemas.microsoft.com/office/drawing/2014/main" id="{D9132E6A-F6C4-45FF-B5F5-114BFBA84843}"/>
+                <a16:creationId xmlns:a16="http://schemas.microsoft.com/office/drawing/2014/main" id="{21C267F5-8559-5098-B02E-1FB807651E5F}"/>
               </a:ext>
             </a:extLst>
           </p:cNvPr>
@@ -2286,7 +2286,7 @@
           <p:cNvPr id="4" name="文本占位符 3">
             <a:extLst>
               <a:ext uri="{FF2B5EF4-FFF2-40B4-BE49-F238E27FC236}">
-                <a16:creationId xmlns:a16="http://schemas.microsoft.com/office/drawing/2014/main" id="{6ECB7330-3FCE-C80C-396E-F934416552E5}"/>
+                <a16:creationId xmlns:a16="http://schemas.microsoft.com/office/drawing/2014/main" id="{36C0C927-FC47-A7D1-9878-1736DF299014}"/>
               </a:ext>
             </a:extLst>
           </p:cNvPr>
@@ -2357,7 +2357,7 @@
           <p:cNvPr id="5" name="日期占位符 4">
             <a:extLst>
               <a:ext uri="{FF2B5EF4-FFF2-40B4-BE49-F238E27FC236}">
-                <a16:creationId xmlns:a16="http://schemas.microsoft.com/office/drawing/2014/main" id="{4FCBC8E9-DE38-BC53-77B3-917DF7BC8621}"/>
+                <a16:creationId xmlns:a16="http://schemas.microsoft.com/office/drawing/2014/main" id="{CB04A916-C238-3017-00A2-4D1DF53A3757}"/>
               </a:ext>
             </a:extLst>
           </p:cNvPr>
@@ -2373,7 +2373,7 @@
           <a:bodyPr/>
           <a:lstStyle/>
           <a:p>
-            <a:fld id="{48C9913D-4DF4-4879-9ED9-A5F36DE02CF2}" type="datetimeFigureOut">
+            <a:fld id="{090F128D-99CA-4A38-837B-0CBC7A449809}" type="datetimeFigureOut">
               <a:rPr lang="zh-CN" altLang="en-US" smtClean="0"/>
               <a:t>2024/3/10</a:t>
             </a:fld>
@@ -2386,7 +2386,7 @@
           <p:cNvPr id="6" name="页脚占位符 5">
             <a:extLst>
               <a:ext uri="{FF2B5EF4-FFF2-40B4-BE49-F238E27FC236}">
-                <a16:creationId xmlns:a16="http://schemas.microsoft.com/office/drawing/2014/main" id="{6028FC07-168C-1FE5-57F3-634A10E611F4}"/>
+                <a16:creationId xmlns:a16="http://schemas.microsoft.com/office/drawing/2014/main" id="{00C4AD60-7DC4-9EFA-9A43-C97F1FCCAAAB}"/>
               </a:ext>
             </a:extLst>
           </p:cNvPr>
@@ -2411,7 +2411,7 @@
           <p:cNvPr id="7" name="灯片编号占位符 6">
             <a:extLst>
               <a:ext uri="{FF2B5EF4-FFF2-40B4-BE49-F238E27FC236}">
-                <a16:creationId xmlns:a16="http://schemas.microsoft.com/office/drawing/2014/main" id="{8B2D91CD-F08F-70C5-8C6F-D059DAE1603E}"/>
+                <a16:creationId xmlns:a16="http://schemas.microsoft.com/office/drawing/2014/main" id="{B7454263-C2DE-25A8-F8EC-2F92BFD8A4E2}"/>
               </a:ext>
             </a:extLst>
           </p:cNvPr>
@@ -2427,7 +2427,7 @@
           <a:bodyPr/>
           <a:lstStyle/>
           <a:p>
-            <a:fld id="{22DCF4D1-364E-4E87-9B1A-8375D7E62453}" type="slidenum">
+            <a:fld id="{6255C348-A955-4ADA-8F7A-81777BEDD346}" type="slidenum">
               <a:rPr lang="zh-CN" altLang="en-US" smtClean="0"/>
               <a:t>‹#›</a:t>
             </a:fld>
@@ -2438,7 +2438,7 @@
     </p:spTree>
     <p:extLst>
       <p:ext uri="{BB962C8B-B14F-4D97-AF65-F5344CB8AC3E}">
-        <p14:creationId xmlns:p14="http://schemas.microsoft.com/office/powerpoint/2010/main" val="1226575882"/>
+        <p14:creationId xmlns:p14="http://schemas.microsoft.com/office/powerpoint/2010/main" val="1112635045"/>
       </p:ext>
     </p:extLst>
   </p:cSld>
@@ -2470,7 +2470,7 @@
           <p:cNvPr id="2" name="标题 1">
             <a:extLst>
               <a:ext uri="{FF2B5EF4-FFF2-40B4-BE49-F238E27FC236}">
-                <a16:creationId xmlns:a16="http://schemas.microsoft.com/office/drawing/2014/main" id="{07B50A0A-A7BE-332B-42AB-65ECB041A5D9}"/>
+                <a16:creationId xmlns:a16="http://schemas.microsoft.com/office/drawing/2014/main" id="{EC384240-B2B9-8B91-09E1-868EF2E275C6}"/>
               </a:ext>
             </a:extLst>
           </p:cNvPr>
@@ -2507,7 +2507,7 @@
           <p:cNvPr id="3" name="图片占位符 2">
             <a:extLst>
               <a:ext uri="{FF2B5EF4-FFF2-40B4-BE49-F238E27FC236}">
-                <a16:creationId xmlns:a16="http://schemas.microsoft.com/office/drawing/2014/main" id="{095DC5A8-A935-0804-9994-6CC5CA8C1E58}"/>
+                <a16:creationId xmlns:a16="http://schemas.microsoft.com/office/drawing/2014/main" id="{58F865C1-A9F0-A4E2-8B2A-6D9A94CDECBB}"/>
               </a:ext>
             </a:extLst>
           </p:cNvPr>
@@ -2574,7 +2574,7 @@
           <p:cNvPr id="4" name="文本占位符 3">
             <a:extLst>
               <a:ext uri="{FF2B5EF4-FFF2-40B4-BE49-F238E27FC236}">
-                <a16:creationId xmlns:a16="http://schemas.microsoft.com/office/drawing/2014/main" id="{C3A1D1A1-C993-1024-8B4C-66399D20B148}"/>
+                <a16:creationId xmlns:a16="http://schemas.microsoft.com/office/drawing/2014/main" id="{FBAAA03D-A95D-2FC6-DB9F-B021F12E30FC}"/>
               </a:ext>
             </a:extLst>
           </p:cNvPr>
@@ -2645,7 +2645,7 @@
           <p:cNvPr id="5" name="日期占位符 4">
             <a:extLst>
               <a:ext uri="{FF2B5EF4-FFF2-40B4-BE49-F238E27FC236}">
-                <a16:creationId xmlns:a16="http://schemas.microsoft.com/office/drawing/2014/main" id="{90E0DFA1-5E32-5A30-525A-68A31848E394}"/>
+                <a16:creationId xmlns:a16="http://schemas.microsoft.com/office/drawing/2014/main" id="{5D474477-6578-5154-B19C-1E239BD25D3C}"/>
               </a:ext>
             </a:extLst>
           </p:cNvPr>
@@ -2661,7 +2661,7 @@
           <a:bodyPr/>
           <a:lstStyle/>
           <a:p>
-            <a:fld id="{48C9913D-4DF4-4879-9ED9-A5F36DE02CF2}" type="datetimeFigureOut">
+            <a:fld id="{090F128D-99CA-4A38-837B-0CBC7A449809}" type="datetimeFigureOut">
               <a:rPr lang="zh-CN" altLang="en-US" smtClean="0"/>
               <a:t>2024/3/10</a:t>
             </a:fld>
@@ -2674,7 +2674,7 @@
           <p:cNvPr id="6" name="页脚占位符 5">
             <a:extLst>
               <a:ext uri="{FF2B5EF4-FFF2-40B4-BE49-F238E27FC236}">
-                <a16:creationId xmlns:a16="http://schemas.microsoft.com/office/drawing/2014/main" id="{61A10E23-4849-AC83-1584-5DD0F9173991}"/>
+                <a16:creationId xmlns:a16="http://schemas.microsoft.com/office/drawing/2014/main" id="{4786DF53-CB99-5BA3-9FAC-94EE247527A2}"/>
               </a:ext>
             </a:extLst>
           </p:cNvPr>
@@ -2699,7 +2699,7 @@
           <p:cNvPr id="7" name="灯片编号占位符 6">
             <a:extLst>
               <a:ext uri="{FF2B5EF4-FFF2-40B4-BE49-F238E27FC236}">
-                <a16:creationId xmlns:a16="http://schemas.microsoft.com/office/drawing/2014/main" id="{F6BD0EA3-2D15-A4FE-A8D4-34C48CFB601C}"/>
+                <a16:creationId xmlns:a16="http://schemas.microsoft.com/office/drawing/2014/main" id="{27386B47-26F4-DF62-9856-42235338935F}"/>
               </a:ext>
             </a:extLst>
           </p:cNvPr>
@@ -2715,7 +2715,7 @@
           <a:bodyPr/>
           <a:lstStyle/>
           <a:p>
-            <a:fld id="{22DCF4D1-364E-4E87-9B1A-8375D7E62453}" type="slidenum">
+            <a:fld id="{6255C348-A955-4ADA-8F7A-81777BEDD346}" type="slidenum">
               <a:rPr lang="zh-CN" altLang="en-US" smtClean="0"/>
               <a:t>‹#›</a:t>
             </a:fld>
@@ -2726,7 +2726,7 @@
     </p:spTree>
     <p:extLst>
       <p:ext uri="{BB962C8B-B14F-4D97-AF65-F5344CB8AC3E}">
-        <p14:creationId xmlns:p14="http://schemas.microsoft.com/office/powerpoint/2010/main" val="3189747647"/>
+        <p14:creationId xmlns:p14="http://schemas.microsoft.com/office/powerpoint/2010/main" val="3323598165"/>
       </p:ext>
     </p:extLst>
   </p:cSld>
@@ -2763,7 +2763,7 @@
           <p:cNvPr id="2" name="标题占位符 1">
             <a:extLst>
               <a:ext uri="{FF2B5EF4-FFF2-40B4-BE49-F238E27FC236}">
-                <a16:creationId xmlns:a16="http://schemas.microsoft.com/office/drawing/2014/main" id="{FBB01E92-C030-EF71-D5EE-E97A72247B7C}"/>
+                <a16:creationId xmlns:a16="http://schemas.microsoft.com/office/drawing/2014/main" id="{9E714CB9-3F0A-7339-EEA5-73D0A9E1F3A7}"/>
               </a:ext>
             </a:extLst>
           </p:cNvPr>
@@ -2801,7 +2801,7 @@
           <p:cNvPr id="3" name="文本占位符 2">
             <a:extLst>
               <a:ext uri="{FF2B5EF4-FFF2-40B4-BE49-F238E27FC236}">
-                <a16:creationId xmlns:a16="http://schemas.microsoft.com/office/drawing/2014/main" id="{5F9A8628-174F-D534-8BE7-7DA6910C1B60}"/>
+                <a16:creationId xmlns:a16="http://schemas.microsoft.com/office/drawing/2014/main" id="{DBA85867-CDC1-CA2D-4BED-248F3A153196}"/>
               </a:ext>
             </a:extLst>
           </p:cNvPr>
@@ -2868,7 +2868,7 @@
           <p:cNvPr id="4" name="日期占位符 3">
             <a:extLst>
               <a:ext uri="{FF2B5EF4-FFF2-40B4-BE49-F238E27FC236}">
-                <a16:creationId xmlns:a16="http://schemas.microsoft.com/office/drawing/2014/main" id="{06586850-FD61-99ED-699F-7122960B57B3}"/>
+                <a16:creationId xmlns:a16="http://schemas.microsoft.com/office/drawing/2014/main" id="{C3B97BDE-7094-0294-94D2-408537F48559}"/>
               </a:ext>
             </a:extLst>
           </p:cNvPr>
@@ -2902,7 +2902,7 @@
             </a:lvl1pPr>
           </a:lstStyle>
           <a:p>
-            <a:fld id="{48C9913D-4DF4-4879-9ED9-A5F36DE02CF2}" type="datetimeFigureOut">
+            <a:fld id="{090F128D-99CA-4A38-837B-0CBC7A449809}" type="datetimeFigureOut">
               <a:rPr lang="zh-CN" altLang="en-US" smtClean="0"/>
               <a:t>2024/3/10</a:t>
             </a:fld>
@@ -2915,7 +2915,7 @@
           <p:cNvPr id="5" name="页脚占位符 4">
             <a:extLst>
               <a:ext uri="{FF2B5EF4-FFF2-40B4-BE49-F238E27FC236}">
-                <a16:creationId xmlns:a16="http://schemas.microsoft.com/office/drawing/2014/main" id="{89E46515-6341-76B1-2CFE-54CA099A333B}"/>
+                <a16:creationId xmlns:a16="http://schemas.microsoft.com/office/drawing/2014/main" id="{9D437A64-F9BB-6716-E41E-FDCC3ABB702E}"/>
               </a:ext>
             </a:extLst>
           </p:cNvPr>
@@ -2958,7 +2958,7 @@
           <p:cNvPr id="6" name="灯片编号占位符 5">
             <a:extLst>
               <a:ext uri="{FF2B5EF4-FFF2-40B4-BE49-F238E27FC236}">
-                <a16:creationId xmlns:a16="http://schemas.microsoft.com/office/drawing/2014/main" id="{9E1A7E7B-B498-E061-CEBB-B225C09A0F55}"/>
+                <a16:creationId xmlns:a16="http://schemas.microsoft.com/office/drawing/2014/main" id="{9B628C85-F7FD-D187-BA6F-B9726F981EBB}"/>
               </a:ext>
             </a:extLst>
           </p:cNvPr>
@@ -2992,7 +2992,7 @@
             </a:lvl1pPr>
           </a:lstStyle>
           <a:p>
-            <a:fld id="{22DCF4D1-364E-4E87-9B1A-8375D7E62453}" type="slidenum">
+            <a:fld id="{6255C348-A955-4ADA-8F7A-81777BEDD346}" type="slidenum">
               <a:rPr lang="zh-CN" altLang="en-US" smtClean="0"/>
               <a:t>‹#›</a:t>
             </a:fld>
@@ -3003,7 +3003,7 @@
     </p:spTree>
     <p:extLst>
       <p:ext uri="{BB962C8B-B14F-4D97-AF65-F5344CB8AC3E}">
-        <p14:creationId xmlns:p14="http://schemas.microsoft.com/office/powerpoint/2010/main" val="3303438720"/>
+        <p14:creationId xmlns:p14="http://schemas.microsoft.com/office/powerpoint/2010/main" val="2470549862"/>
       </p:ext>
     </p:extLst>
   </p:cSld>
@@ -3323,7 +3323,7 @@
       </p:grpSpPr>
       <p:pic>
         <p:nvPicPr>
-          <p:cNvPr id="844802" name="Picture 2" descr="824"/>
+          <p:cNvPr id="845826" name="Picture 2" descr="825"/>
           <p:cNvPicPr>
             <a:picLocks noChangeAspect="1" noChangeArrowheads="1"/>
           </p:cNvPicPr>
@@ -3377,7 +3377,7 @@
       </p:pic>
       <p:pic>
         <p:nvPicPr>
-          <p:cNvPr id="845827" name="Picture 3" descr="824-2"/>
+          <p:cNvPr id="846851" name="Picture 3" descr="825-2"/>
           <p:cNvPicPr>
             <a:picLocks noChangeAspect="1" noChangeArrowheads="1"/>
           </p:cNvPicPr>
@@ -3478,7 +3478,7 @@
                                           </p:stCondLst>
                                         </p:cTn>
                                         <p:tgtEl>
-                                          <p:spTgt spid="845827"/>
+                                          <p:spTgt spid="846851"/>
                                         </p:tgtEl>
                                         <p:attrNameLst>
                                           <p:attrName>style.visibility</p:attrName>
@@ -3492,7 +3492,7 @@
                                       <p:cBhvr>
                                         <p:cTn id="7" dur="500"/>
                                         <p:tgtEl>
-                                          <p:spTgt spid="845827"/>
+                                          <p:spTgt spid="846851"/>
                                         </p:tgtEl>
                                       </p:cBhvr>
                                     </p:animEffect>
